--- a/ESL-Image-Classification-on-FPGA.pptx
+++ b/ESL-Image-Classification-on-FPGA.pptx
@@ -5,7 +5,7 @@
     <p:sldMasterId id="2147483672" r:id="rId4"/>
   </p:sldMasterIdLst>
   <p:notesMasterIdLst>
-    <p:notesMasterId r:id="rId12"/>
+    <p:notesMasterId r:id="rId15"/>
   </p:notesMasterIdLst>
   <p:sldIdLst>
     <p:sldId id="256" r:id="rId5"/>
@@ -14,7 +14,10 @@
     <p:sldId id="261" r:id="rId8"/>
     <p:sldId id="262" r:id="rId9"/>
     <p:sldId id="260" r:id="rId10"/>
-    <p:sldId id="259" r:id="rId11"/>
+    <p:sldId id="264" r:id="rId11"/>
+    <p:sldId id="265" r:id="rId12"/>
+    <p:sldId id="266" r:id="rId13"/>
+    <p:sldId id="259" r:id="rId14"/>
   </p:sldIdLst>
   <p:sldSz cx="13433425" cy="7556500"/>
   <p:notesSz cx="6858000" cy="9144000"/>
@@ -655,7 +658,7 @@
               <a:pPr>
                 <a:defRPr/>
               </a:pPr>
-              <a:t>12/15/2025</a:t>
+              <a:t>12/17/2025</a:t>
             </a:fld>
             <a:endParaRPr lang="en-US"/>
           </a:p>
@@ -865,7 +868,7 @@
               <a:pPr>
                 <a:defRPr/>
               </a:pPr>
-              <a:t>12/15/2025</a:t>
+              <a:t>12/17/2025</a:t>
             </a:fld>
             <a:endParaRPr lang="en-US"/>
           </a:p>
@@ -1085,7 +1088,7 @@
               <a:pPr>
                 <a:defRPr/>
               </a:pPr>
-              <a:t>12/15/2025</a:t>
+              <a:t>12/17/2025</a:t>
             </a:fld>
             <a:endParaRPr lang="en-US"/>
           </a:p>
@@ -1295,7 +1298,7 @@
               <a:pPr>
                 <a:defRPr/>
               </a:pPr>
-              <a:t>12/15/2025</a:t>
+              <a:t>12/17/2025</a:t>
             </a:fld>
             <a:endParaRPr lang="en-US"/>
           </a:p>
@@ -1581,7 +1584,7 @@
               <a:pPr>
                 <a:defRPr/>
               </a:pPr>
-              <a:t>12/15/2025</a:t>
+              <a:t>12/17/2025</a:t>
             </a:fld>
             <a:endParaRPr lang="en-US"/>
           </a:p>
@@ -1853,7 +1856,7 @@
               <a:pPr>
                 <a:defRPr/>
               </a:pPr>
-              <a:t>12/15/2025</a:t>
+              <a:t>12/17/2025</a:t>
             </a:fld>
             <a:endParaRPr lang="en-US"/>
           </a:p>
@@ -2260,7 +2263,7 @@
               <a:pPr>
                 <a:defRPr/>
               </a:pPr>
-              <a:t>12/15/2025</a:t>
+              <a:t>12/17/2025</a:t>
             </a:fld>
             <a:endParaRPr lang="en-US"/>
           </a:p>
@@ -2418,7 +2421,7 @@
               <a:pPr>
                 <a:defRPr/>
               </a:pPr>
-              <a:t>12/15/2025</a:t>
+              <a:t>12/17/2025</a:t>
             </a:fld>
             <a:endParaRPr lang="en-US"/>
           </a:p>
@@ -2553,7 +2556,7 @@
               <a:pPr>
                 <a:defRPr/>
               </a:pPr>
-              <a:t>12/15/2025</a:t>
+              <a:t>12/17/2025</a:t>
             </a:fld>
             <a:endParaRPr lang="en-US"/>
           </a:p>
@@ -2870,7 +2873,7 @@
               <a:pPr>
                 <a:defRPr/>
               </a:pPr>
-              <a:t>12/15/2025</a:t>
+              <a:t>12/17/2025</a:t>
             </a:fld>
             <a:endParaRPr lang="en-US"/>
           </a:p>
@@ -3170,7 +3173,7 @@
               <a:pPr>
                 <a:defRPr/>
               </a:pPr>
-              <a:t>12/15/2025</a:t>
+              <a:t>12/17/2025</a:t>
             </a:fld>
             <a:endParaRPr lang="en-US"/>
           </a:p>
@@ -3489,7 +3492,7 @@
               <a:pPr>
                 <a:defRPr/>
               </a:pPr>
-              <a:t>12/15/2025</a:t>
+              <a:t>12/17/2025</a:t>
             </a:fld>
             <a:endParaRPr lang="en-US"/>
           </a:p>
@@ -4459,6 +4462,120 @@
 </p:sld>
 </file>
 
+<file path=ppt/slides/slide10.xml><?xml version="1.0" encoding="utf-8"?>
+<p:sld xmlns:a="http://schemas.openxmlformats.org/drawingml/2006/main" xmlns:r="http://schemas.openxmlformats.org/officeDocument/2006/relationships" xmlns:p="http://schemas.openxmlformats.org/presentationml/2006/main">
+  <p:cSld>
+    <p:spTree>
+      <p:nvGrpSpPr>
+        <p:cNvPr id="1" name=""/>
+        <p:cNvGrpSpPr/>
+        <p:nvPr/>
+      </p:nvGrpSpPr>
+      <p:grpSpPr>
+        <a:xfrm>
+          <a:off x="0" y="0"/>
+          <a:ext cx="0" cy="0"/>
+          <a:chOff x="0" y="0"/>
+          <a:chExt cx="0" cy="0"/>
+        </a:xfrm>
+      </p:grpSpPr>
+      <p:sp>
+        <p:nvSpPr>
+          <p:cNvPr id="2" name="Title 1">
+            <a:extLst>
+              <a:ext uri="{FF2B5EF4-FFF2-40B4-BE49-F238E27FC236}">
+                <a16:creationId xmlns:a16="http://schemas.microsoft.com/office/drawing/2014/main" id="{D0FD0E82-DC90-CEAA-44C0-F7BC3739BA9B}"/>
+              </a:ext>
+            </a:extLst>
+          </p:cNvPr>
+          <p:cNvSpPr>
+            <a:spLocks noGrp="1"/>
+          </p:cNvSpPr>
+          <p:nvPr>
+            <p:ph type="title"/>
+          </p:nvPr>
+        </p:nvSpPr>
+        <p:spPr/>
+        <p:txBody>
+          <a:bodyPr/>
+          <a:lstStyle/>
+          <a:p>
+            <a:r>
+              <a:rPr lang="en-US"/>
+              <a:t>		Źródła</a:t>
+            </a:r>
+          </a:p>
+        </p:txBody>
+      </p:sp>
+      <p:sp>
+        <p:nvSpPr>
+          <p:cNvPr id="3" name="Content Placeholder 2">
+            <a:extLst>
+              <a:ext uri="{FF2B5EF4-FFF2-40B4-BE49-F238E27FC236}">
+                <a16:creationId xmlns:a16="http://schemas.microsoft.com/office/drawing/2014/main" id="{1DE4809B-387B-3056-1A66-26376024BB3F}"/>
+              </a:ext>
+            </a:extLst>
+          </p:cNvPr>
+          <p:cNvSpPr>
+            <a:spLocks noGrp="1"/>
+          </p:cNvSpPr>
+          <p:nvPr>
+            <p:ph idx="1"/>
+          </p:nvPr>
+        </p:nvSpPr>
+        <p:spPr>
+          <a:xfrm>
+            <a:off x="1244104" y="2011363"/>
+            <a:ext cx="11265396" cy="4794250"/>
+          </a:xfrm>
+        </p:spPr>
+        <p:txBody>
+          <a:bodyPr/>
+          <a:lstStyle/>
+          <a:p>
+            <a:r>
+              <a:rPr lang="en-US">
+                <a:hlinkClick r:id="rId2"/>
+              </a:rPr>
+              <a:t>https://my.avnet.com/silica/resources/article/fpga-vs-gpu-vs-cpu-hardware-options-for-ai-applications/</a:t>
+            </a:r>
+            <a:endParaRPr lang="en-US"/>
+          </a:p>
+          <a:p>
+            <a:r>
+              <a:rPr lang="en-US">
+                <a:ea typeface="+mn-lt"/>
+                <a:cs typeface="+mn-lt"/>
+                <a:hlinkClick r:id="rId3"/>
+              </a:rPr>
+              <a:t>https://xilinx.github.io/Vitis-AI/3.5/html/index.html</a:t>
+            </a:r>
+            <a:endParaRPr lang="en-US">
+              <a:ea typeface="Calibri"/>
+              <a:cs typeface="Calibri"/>
+            </a:endParaRPr>
+          </a:p>
+          <a:p>
+            <a:endParaRPr lang="en-US">
+              <a:ea typeface="Calibri"/>
+              <a:cs typeface="Calibri"/>
+            </a:endParaRPr>
+          </a:p>
+        </p:txBody>
+      </p:sp>
+    </p:spTree>
+    <p:extLst>
+      <p:ext uri="{BB962C8B-B14F-4D97-AF65-F5344CB8AC3E}">
+        <p14:creationId xmlns:p14="http://schemas.microsoft.com/office/powerpoint/2010/main" val="874600211"/>
+      </p:ext>
+    </p:extLst>
+  </p:cSld>
+  <p:clrMapOvr>
+    <a:masterClrMapping/>
+  </p:clrMapOvr>
+</p:sld>
+</file>
+
 <file path=ppt/slides/slide2.xml><?xml version="1.0" encoding="utf-8"?>
 <p:sld xmlns:a="http://schemas.openxmlformats.org/drawingml/2006/main" xmlns:r="http://schemas.openxmlformats.org/officeDocument/2006/relationships" xmlns:p="http://schemas.openxmlformats.org/presentationml/2006/main">
   <p:cSld>
@@ -5370,8 +5487,28 @@
           <a:lstStyle/>
           <a:p>
             <a:r>
-              <a:rPr lang="en-US"/>
-              <a:t>Trenowanie modelu w PyTorch </a:t>
+              <a:rPr lang="en-US" dirty="0" err="1"/>
+              <a:t>Trenowanie</a:t>
+            </a:r>
+            <a:r>
+              <a:rPr lang="en-US" dirty="0"/>
+              <a:t> </a:t>
+            </a:r>
+            <a:r>
+              <a:rPr lang="en-US" dirty="0" err="1"/>
+              <a:t>modelu</a:t>
+            </a:r>
+            <a:r>
+              <a:rPr lang="en-US" dirty="0"/>
+              <a:t> w </a:t>
+            </a:r>
+            <a:r>
+              <a:rPr lang="en-US" dirty="0" err="1"/>
+              <a:t>PyTorch</a:t>
+            </a:r>
+            <a:r>
+              <a:rPr lang="en-US" dirty="0"/>
+              <a:t> </a:t>
             </a:r>
           </a:p>
           <a:p>
@@ -5384,8 +5521,12 @@
           </a:p>
           <a:p>
             <a:r>
-              <a:rPr lang="en-US"/>
-              <a:t>Eksport do ONNX</a:t>
+              <a:rPr lang="en-US" dirty="0" err="1"/>
+              <a:t>Eksport</a:t>
+            </a:r>
+            <a:r>
+              <a:rPr lang="en-US" dirty="0"/>
+              <a:t> do ONNX</a:t>
             </a:r>
           </a:p>
           <a:p>
@@ -5539,7 +5680,13 @@
   <p:cSld>
     <p:spTree>
       <p:nvGrpSpPr>
-        <p:cNvPr id="1" name=""/>
+        <p:cNvPr id="1" name="">
+          <a:extLst>
+            <a:ext uri="{FF2B5EF4-FFF2-40B4-BE49-F238E27FC236}">
+              <a16:creationId xmlns:a16="http://schemas.microsoft.com/office/drawing/2014/main" id="{87E64514-1AD8-F027-91D7-90EFEB8422FA}"/>
+            </a:ext>
+          </a:extLst>
+        </p:cNvPr>
         <p:cNvGrpSpPr/>
         <p:nvPr/>
       </p:nvGrpSpPr>
@@ -5556,7 +5703,7 @@
           <p:cNvPr id="2" name="Title 1">
             <a:extLst>
               <a:ext uri="{FF2B5EF4-FFF2-40B4-BE49-F238E27FC236}">
-                <a16:creationId xmlns:a16="http://schemas.microsoft.com/office/drawing/2014/main" id="{D0FD0E82-DC90-CEAA-44C0-F7BC3739BA9B}"/>
+                <a16:creationId xmlns:a16="http://schemas.microsoft.com/office/drawing/2014/main" id="{56F3B5D5-7D49-830D-EB43-02D4CE3F1A1A}"/>
               </a:ext>
             </a:extLst>
           </p:cNvPr>
@@ -5567,15 +5714,21 @@
             <p:ph type="title"/>
           </p:nvPr>
         </p:nvSpPr>
-        <p:spPr/>
+        <p:spPr>
+          <a:xfrm>
+            <a:off x="2807746" y="401638"/>
+            <a:ext cx="9701754" cy="1460500"/>
+          </a:xfrm>
+        </p:spPr>
         <p:txBody>
           <a:bodyPr/>
           <a:lstStyle/>
           <a:p>
             <a:r>
-              <a:rPr lang="en-US"/>
-              <a:t>		Źródła</a:t>
-            </a:r>
+              <a:rPr lang="pl-PL" dirty="0"/>
+              <a:t>Wyniki	</a:t>
+            </a:r>
+            <a:endParaRPr lang="en-US" dirty="0" err="1"/>
           </a:p>
         </p:txBody>
       </p:sp>
@@ -5584,7 +5737,7 @@
           <p:cNvPr id="3" name="Content Placeholder 2">
             <a:extLst>
               <a:ext uri="{FF2B5EF4-FFF2-40B4-BE49-F238E27FC236}">
-                <a16:creationId xmlns:a16="http://schemas.microsoft.com/office/drawing/2014/main" id="{1DE4809B-387B-3056-1A66-26376024BB3F}"/>
+                <a16:creationId xmlns:a16="http://schemas.microsoft.com/office/drawing/2014/main" id="{6F308256-A553-65D3-B60B-455F2A22852F}"/>
               </a:ext>
             </a:extLst>
           </p:cNvPr>
@@ -5597,8 +5750,8 @@
         </p:nvSpPr>
         <p:spPr>
           <a:xfrm>
-            <a:off x="1244104" y="2011363"/>
-            <a:ext cx="11265396" cy="4794250"/>
+            <a:off x="1316112" y="2011362"/>
+            <a:ext cx="11193388" cy="1194417"/>
           </a:xfrm>
         </p:spPr>
         <p:txBody>
@@ -5606,39 +5759,418 @@
           <a:lstStyle/>
           <a:p>
             <a:r>
-              <a:rPr lang="en-US">
-                <a:hlinkClick r:id="rId2"/>
-              </a:rPr>
-              <a:t>https://my.avnet.com/silica/resources/article/fpga-vs-gpu-vs-cpu-hardware-options-for-ai-applications/</a:t>
-            </a:r>
-            <a:endParaRPr lang="en-US"/>
-          </a:p>
-          <a:p>
-            <a:r>
-              <a:rPr lang="en-US">
-                <a:ea typeface="+mn-lt"/>
-                <a:cs typeface="+mn-lt"/>
-                <a:hlinkClick r:id="rId3"/>
-              </a:rPr>
-              <a:t>https://xilinx.github.io/Vitis-AI/3.5/html/index.html</a:t>
-            </a:r>
-            <a:endParaRPr lang="en-US">
-              <a:ea typeface="Calibri"/>
-              <a:cs typeface="Calibri"/>
-            </a:endParaRPr>
-          </a:p>
-          <a:p>
-            <a:endParaRPr lang="en-US">
-              <a:ea typeface="Calibri"/>
-              <a:cs typeface="Calibri"/>
-            </a:endParaRPr>
-          </a:p>
-        </p:txBody>
-      </p:sp>
+              <a:rPr lang="en-US" dirty="0" err="1"/>
+              <a:t>Trenowanie</a:t>
+            </a:r>
+            <a:r>
+              <a:rPr lang="en-US" dirty="0"/>
+              <a:t> </a:t>
+            </a:r>
+            <a:r>
+              <a:rPr lang="en-US" dirty="0" err="1"/>
+              <a:t>modelu</a:t>
+            </a:r>
+            <a:r>
+              <a:rPr lang="en-US" dirty="0"/>
+              <a:t> w </a:t>
+            </a:r>
+            <a:r>
+              <a:rPr lang="en-US" dirty="0" err="1"/>
+              <a:t>PyTorch</a:t>
+            </a:r>
+            <a:r>
+              <a:rPr lang="en-US" dirty="0"/>
+              <a:t> </a:t>
+            </a:r>
+          </a:p>
+          <a:p>
+            <a:pPr lvl="1"/>
+            <a:r>
+              <a:rPr lang="pl-PL" dirty="0"/>
+              <a:t>MobileNetV2 na zbiorze CIFAR-10</a:t>
+            </a:r>
+          </a:p>
+          <a:p>
+            <a:pPr marL="503238" lvl="1" indent="0">
+              <a:buNone/>
+            </a:pPr>
+            <a:endParaRPr lang="pl-PL" dirty="0"/>
+          </a:p>
+        </p:txBody>
+      </p:sp>
+      <p:pic>
+        <p:nvPicPr>
+          <p:cNvPr id="5" name="Obraz 4" descr="Obraz zawierający tekst, zrzut ekranu, Czcionka&#10;&#10;Zawartość wygenerowana przez AI może być niepoprawna.">
+            <a:extLst>
+              <a:ext uri="{FF2B5EF4-FFF2-40B4-BE49-F238E27FC236}">
+                <a16:creationId xmlns:a16="http://schemas.microsoft.com/office/drawing/2014/main" id="{793D925C-E9B7-CCD0-A6CA-370CF3FBFC56}"/>
+              </a:ext>
+            </a:extLst>
+          </p:cNvPr>
+          <p:cNvPicPr>
+            <a:picLocks noChangeAspect="1"/>
+          </p:cNvPicPr>
+          <p:nvPr/>
+        </p:nvPicPr>
+        <p:blipFill>
+          <a:blip r:embed="rId2"/>
+          <a:stretch>
+            <a:fillRect/>
+          </a:stretch>
+        </p:blipFill>
+        <p:spPr>
+          <a:xfrm>
+            <a:off x="1316112" y="3205778"/>
+            <a:ext cx="5041657" cy="3945645"/>
+          </a:xfrm>
+          <a:prstGeom prst="rect">
+            <a:avLst/>
+          </a:prstGeom>
+        </p:spPr>
+      </p:pic>
     </p:spTree>
     <p:extLst>
       <p:ext uri="{BB962C8B-B14F-4D97-AF65-F5344CB8AC3E}">
-        <p14:creationId xmlns:p14="http://schemas.microsoft.com/office/powerpoint/2010/main" val="874600211"/>
+        <p14:creationId xmlns:p14="http://schemas.microsoft.com/office/powerpoint/2010/main" val="3585718767"/>
+      </p:ext>
+    </p:extLst>
+  </p:cSld>
+  <p:clrMapOvr>
+    <a:masterClrMapping/>
+  </p:clrMapOvr>
+</p:sld>
+</file>
+
+<file path=ppt/slides/slide8.xml><?xml version="1.0" encoding="utf-8"?>
+<p:sld xmlns:a="http://schemas.openxmlformats.org/drawingml/2006/main" xmlns:r="http://schemas.openxmlformats.org/officeDocument/2006/relationships" xmlns:p="http://schemas.openxmlformats.org/presentationml/2006/main">
+  <p:cSld>
+    <p:spTree>
+      <p:nvGrpSpPr>
+        <p:cNvPr id="1" name="">
+          <a:extLst>
+            <a:ext uri="{FF2B5EF4-FFF2-40B4-BE49-F238E27FC236}">
+              <a16:creationId xmlns:a16="http://schemas.microsoft.com/office/drawing/2014/main" id="{2EF5A61B-CD18-2196-EFD8-7096AE41687E}"/>
+            </a:ext>
+          </a:extLst>
+        </p:cNvPr>
+        <p:cNvGrpSpPr/>
+        <p:nvPr/>
+      </p:nvGrpSpPr>
+      <p:grpSpPr>
+        <a:xfrm>
+          <a:off x="0" y="0"/>
+          <a:ext cx="0" cy="0"/>
+          <a:chOff x="0" y="0"/>
+          <a:chExt cx="0" cy="0"/>
+        </a:xfrm>
+      </p:grpSpPr>
+      <p:sp>
+        <p:nvSpPr>
+          <p:cNvPr id="2" name="Title 1">
+            <a:extLst>
+              <a:ext uri="{FF2B5EF4-FFF2-40B4-BE49-F238E27FC236}">
+                <a16:creationId xmlns:a16="http://schemas.microsoft.com/office/drawing/2014/main" id="{D2A08165-9450-3381-093B-B67BB5B5D5AC}"/>
+              </a:ext>
+            </a:extLst>
+          </p:cNvPr>
+          <p:cNvSpPr>
+            <a:spLocks noGrp="1"/>
+          </p:cNvSpPr>
+          <p:nvPr>
+            <p:ph type="title"/>
+          </p:nvPr>
+        </p:nvSpPr>
+        <p:spPr>
+          <a:xfrm>
+            <a:off x="2807746" y="401638"/>
+            <a:ext cx="9701754" cy="1460500"/>
+          </a:xfrm>
+        </p:spPr>
+        <p:txBody>
+          <a:bodyPr/>
+          <a:lstStyle/>
+          <a:p>
+            <a:r>
+              <a:rPr lang="pl-PL" dirty="0"/>
+              <a:t>Wyniki	</a:t>
+            </a:r>
+            <a:endParaRPr lang="en-US" dirty="0" err="1"/>
+          </a:p>
+        </p:txBody>
+      </p:sp>
+      <p:sp>
+        <p:nvSpPr>
+          <p:cNvPr id="3" name="Content Placeholder 2">
+            <a:extLst>
+              <a:ext uri="{FF2B5EF4-FFF2-40B4-BE49-F238E27FC236}">
+                <a16:creationId xmlns:a16="http://schemas.microsoft.com/office/drawing/2014/main" id="{6614F773-2C7B-E41E-8290-42B00D486825}"/>
+              </a:ext>
+            </a:extLst>
+          </p:cNvPr>
+          <p:cNvSpPr>
+            <a:spLocks noGrp="1"/>
+          </p:cNvSpPr>
+          <p:nvPr>
+            <p:ph idx="1"/>
+          </p:nvPr>
+        </p:nvSpPr>
+        <p:spPr>
+          <a:xfrm>
+            <a:off x="1316112" y="2011362"/>
+            <a:ext cx="11193388" cy="2571396"/>
+          </a:xfrm>
+        </p:spPr>
+        <p:txBody>
+          <a:bodyPr/>
+          <a:lstStyle/>
+          <a:p>
+            <a:r>
+              <a:rPr lang="en-US" strike="sngStrike" dirty="0" err="1"/>
+              <a:t>Eksport</a:t>
+            </a:r>
+            <a:r>
+              <a:rPr lang="en-US" strike="sngStrike" dirty="0"/>
+              <a:t> do ONNX</a:t>
+            </a:r>
+          </a:p>
+          <a:p>
+            <a:pPr lvl="1"/>
+            <a:r>
+              <a:rPr lang="en-US" strike="sngStrike" dirty="0" err="1"/>
+              <a:t>torch.onnx.export</a:t>
+            </a:r>
+            <a:r>
+              <a:rPr lang="en-US" strike="sngStrike" dirty="0"/>
+              <a:t>(model, input, "</a:t>
+            </a:r>
+            <a:r>
+              <a:rPr lang="en-US" strike="sngStrike" dirty="0" err="1"/>
+              <a:t>model.onnx</a:t>
+            </a:r>
+            <a:r>
+              <a:rPr lang="en-US" strike="sngStrike" dirty="0"/>
+              <a:t>")</a:t>
+            </a:r>
+            <a:endParaRPr lang="pl-PL" strike="sngStrike" dirty="0"/>
+          </a:p>
+          <a:p>
+            <a:endParaRPr lang="pl-PL" dirty="0"/>
+          </a:p>
+          <a:p>
+            <a:endParaRPr lang="pl-PL" dirty="0"/>
+          </a:p>
+          <a:p>
+            <a:endParaRPr lang="pl-PL" dirty="0"/>
+          </a:p>
+          <a:p>
+            <a:r>
+              <a:rPr lang="en-US" dirty="0" err="1"/>
+              <a:t>Eksport</a:t>
+            </a:r>
+            <a:r>
+              <a:rPr lang="en-US" dirty="0"/>
+              <a:t> </a:t>
+            </a:r>
+            <a:r>
+              <a:rPr lang="pl-PL" dirty="0" err="1"/>
+              <a:t>pyTorch</a:t>
+            </a:r>
+            <a:r>
+              <a:rPr lang="pl-PL" dirty="0"/>
+              <a:t> (plik *.</a:t>
+            </a:r>
+            <a:r>
+              <a:rPr lang="pl-PL" dirty="0" err="1"/>
+              <a:t>pt</a:t>
+            </a:r>
+            <a:r>
+              <a:rPr lang="pl-PL" dirty="0"/>
+              <a:t>)</a:t>
+            </a:r>
+          </a:p>
+          <a:p>
+            <a:endParaRPr lang="en-US" dirty="0"/>
+          </a:p>
+        </p:txBody>
+      </p:sp>
+      <p:pic>
+        <p:nvPicPr>
+          <p:cNvPr id="7" name="Obraz 6" descr="Obraz zawierający tekst, Czcionka, zrzut ekranu&#10;&#10;Zawartość wygenerowana przez AI może być niepoprawna.">
+            <a:extLst>
+              <a:ext uri="{FF2B5EF4-FFF2-40B4-BE49-F238E27FC236}">
+                <a16:creationId xmlns:a16="http://schemas.microsoft.com/office/drawing/2014/main" id="{EF711FFF-DE29-9797-4BE2-E41BEC2B4719}"/>
+              </a:ext>
+            </a:extLst>
+          </p:cNvPr>
+          <p:cNvPicPr>
+            <a:picLocks noChangeAspect="1"/>
+          </p:cNvPicPr>
+          <p:nvPr/>
+        </p:nvPicPr>
+        <p:blipFill>
+          <a:blip r:embed="rId2"/>
+          <a:stretch>
+            <a:fillRect/>
+          </a:stretch>
+        </p:blipFill>
+        <p:spPr>
+          <a:xfrm>
+            <a:off x="1488410" y="2892301"/>
+            <a:ext cx="10069330" cy="1771897"/>
+          </a:xfrm>
+          <a:prstGeom prst="rect">
+            <a:avLst/>
+          </a:prstGeom>
+        </p:spPr>
+      </p:pic>
+      <p:pic>
+        <p:nvPicPr>
+          <p:cNvPr id="11" name="Obraz 10" descr="Obraz zawierający tekst, zrzut ekranu, Czcionka, linia&#10;&#10;Zawartość wygenerowana przez AI może być niepoprawna.">
+            <a:extLst>
+              <a:ext uri="{FF2B5EF4-FFF2-40B4-BE49-F238E27FC236}">
+                <a16:creationId xmlns:a16="http://schemas.microsoft.com/office/drawing/2014/main" id="{84E2EDE6-7330-E634-385B-11520325CC53}"/>
+              </a:ext>
+            </a:extLst>
+          </p:cNvPr>
+          <p:cNvPicPr>
+            <a:picLocks noChangeAspect="1"/>
+          </p:cNvPicPr>
+          <p:nvPr/>
+        </p:nvPicPr>
+        <p:blipFill>
+          <a:blip r:embed="rId3"/>
+          <a:stretch>
+            <a:fillRect/>
+          </a:stretch>
+        </p:blipFill>
+        <p:spPr>
+          <a:xfrm>
+            <a:off x="1530430" y="5077269"/>
+            <a:ext cx="5382376" cy="1124107"/>
+          </a:xfrm>
+          <a:prstGeom prst="rect">
+            <a:avLst/>
+          </a:prstGeom>
+        </p:spPr>
+      </p:pic>
+    </p:spTree>
+    <p:extLst>
+      <p:ext uri="{BB962C8B-B14F-4D97-AF65-F5344CB8AC3E}">
+        <p14:creationId xmlns:p14="http://schemas.microsoft.com/office/powerpoint/2010/main" val="2883411136"/>
+      </p:ext>
+    </p:extLst>
+  </p:cSld>
+  <p:clrMapOvr>
+    <a:masterClrMapping/>
+  </p:clrMapOvr>
+</p:sld>
+</file>
+
+<file path=ppt/slides/slide9.xml><?xml version="1.0" encoding="utf-8"?>
+<p:sld xmlns:a="http://schemas.openxmlformats.org/drawingml/2006/main" xmlns:r="http://schemas.openxmlformats.org/officeDocument/2006/relationships" xmlns:p="http://schemas.openxmlformats.org/presentationml/2006/main">
+  <p:cSld>
+    <p:spTree>
+      <p:nvGrpSpPr>
+        <p:cNvPr id="1" name="">
+          <a:extLst>
+            <a:ext uri="{FF2B5EF4-FFF2-40B4-BE49-F238E27FC236}">
+              <a16:creationId xmlns:a16="http://schemas.microsoft.com/office/drawing/2014/main" id="{7276ED25-9B93-6694-5112-22E40328508C}"/>
+            </a:ext>
+          </a:extLst>
+        </p:cNvPr>
+        <p:cNvGrpSpPr/>
+        <p:nvPr/>
+      </p:nvGrpSpPr>
+      <p:grpSpPr>
+        <a:xfrm>
+          <a:off x="0" y="0"/>
+          <a:ext cx="0" cy="0"/>
+          <a:chOff x="0" y="0"/>
+          <a:chExt cx="0" cy="0"/>
+        </a:xfrm>
+      </p:grpSpPr>
+      <p:sp>
+        <p:nvSpPr>
+          <p:cNvPr id="2" name="Title 1">
+            <a:extLst>
+              <a:ext uri="{FF2B5EF4-FFF2-40B4-BE49-F238E27FC236}">
+                <a16:creationId xmlns:a16="http://schemas.microsoft.com/office/drawing/2014/main" id="{E13686B2-EF15-816E-CD44-2CABE96E6596}"/>
+              </a:ext>
+            </a:extLst>
+          </p:cNvPr>
+          <p:cNvSpPr>
+            <a:spLocks noGrp="1"/>
+          </p:cNvSpPr>
+          <p:nvPr>
+            <p:ph type="title"/>
+          </p:nvPr>
+        </p:nvSpPr>
+        <p:spPr>
+          <a:xfrm>
+            <a:off x="2807746" y="401638"/>
+            <a:ext cx="9701754" cy="1460500"/>
+          </a:xfrm>
+        </p:spPr>
+        <p:txBody>
+          <a:bodyPr/>
+          <a:lstStyle/>
+          <a:p>
+            <a:r>
+              <a:rPr lang="pl-PL" dirty="0"/>
+              <a:t>Wyniki	</a:t>
+            </a:r>
+            <a:endParaRPr lang="en-US" dirty="0" err="1"/>
+          </a:p>
+        </p:txBody>
+      </p:sp>
+      <p:sp>
+        <p:nvSpPr>
+          <p:cNvPr id="3" name="Content Placeholder 2">
+            <a:extLst>
+              <a:ext uri="{FF2B5EF4-FFF2-40B4-BE49-F238E27FC236}">
+                <a16:creationId xmlns:a16="http://schemas.microsoft.com/office/drawing/2014/main" id="{394F764A-DDD8-C75E-AE3F-47BEAC00A856}"/>
+              </a:ext>
+            </a:extLst>
+          </p:cNvPr>
+          <p:cNvSpPr>
+            <a:spLocks noGrp="1"/>
+          </p:cNvSpPr>
+          <p:nvPr>
+            <p:ph idx="1"/>
+          </p:nvPr>
+        </p:nvSpPr>
+        <p:spPr>
+          <a:xfrm>
+            <a:off x="1316112" y="2011362"/>
+            <a:ext cx="11193388" cy="2571396"/>
+          </a:xfrm>
+        </p:spPr>
+        <p:txBody>
+          <a:bodyPr/>
+          <a:lstStyle/>
+          <a:p>
+            <a:r>
+              <a:rPr lang="pl-PL" dirty="0" err="1"/>
+              <a:t>Vitis</a:t>
+            </a:r>
+            <a:r>
+              <a:rPr lang="pl-PL" dirty="0"/>
+              <a:t> AI </a:t>
+            </a:r>
+            <a:r>
+              <a:rPr lang="pl-PL" dirty="0">
+                <a:sym typeface="Wingdings" panose="05000000000000000000" pitchFamily="2" charset="2"/>
+              </a:rPr>
+              <a:t></a:t>
+            </a:r>
+            <a:endParaRPr lang="en-US" dirty="0"/>
+          </a:p>
+        </p:txBody>
+      </p:sp>
+    </p:spTree>
+    <p:extLst>
+      <p:ext uri="{BB962C8B-B14F-4D97-AF65-F5344CB8AC3E}">
+        <p14:creationId xmlns:p14="http://schemas.microsoft.com/office/powerpoint/2010/main" val="1100233845"/>
       </p:ext>
     </p:extLst>
   </p:cSld>
@@ -6171,6 +6703,23 @@
 </file>
 
 <file path=customXml/item1.xml><?xml version="1.0" encoding="utf-8"?>
+<p:properties xmlns:p="http://schemas.microsoft.com/office/2006/metadata/properties" xmlns:xsi="http://www.w3.org/2001/XMLSchema-instance" xmlns:pc="http://schemas.microsoft.com/office/infopath/2007/PartnerControls">
+  <documentManagement>
+    <_activity xmlns="e0324670-5a30-4a82-9f4a-3ec047b6efa7" xsi:nil="true"/>
+  </documentManagement>
+</p:properties>
+</file>
+
+<file path=customXml/item2.xml><?xml version="1.0" encoding="utf-8"?>
+<?mso-contentType ?>
+<FormTemplates xmlns="http://schemas.microsoft.com/sharepoint/v3/contenttype/forms">
+  <Display>DocumentLibraryForm</Display>
+  <Edit>DocumentLibraryForm</Edit>
+  <New>DocumentLibraryForm</New>
+</FormTemplates>
+</file>
+
+<file path=customXml/item3.xml><?xml version="1.0" encoding="utf-8"?>
 <ct:contentTypeSchema xmlns:ct="http://schemas.microsoft.com/office/2006/metadata/contentType" xmlns:ma="http://schemas.microsoft.com/office/2006/metadata/properties/metaAttributes" ct:_="" ma:_="" ma:contentTypeName="Dokument" ma:contentTypeID="0x0101000D3E0C5E92C274499576E1B13C8ED110" ma:contentTypeVersion="8" ma:contentTypeDescription="Utwórz nowy dokument." ma:contentTypeScope="" ma:versionID="12d49766b0c4bf4d7d0a825197d2def8">
   <xsd:schema xmlns:xsd="http://www.w3.org/2001/XMLSchema" xmlns:xs="http://www.w3.org/2001/XMLSchema" xmlns:p="http://schemas.microsoft.com/office/2006/metadata/properties" xmlns:ns3="cb2fda98-091b-466d-92a5-bc28a7b73a74" xmlns:ns4="e0324670-5a30-4a82-9f4a-3ec047b6efa7" targetNamespace="http://schemas.microsoft.com/office/2006/metadata/properties" ma:root="true" ma:fieldsID="c28b5b92f723b40e2054a68bc6e67761" ns3:_="" ns4:_="">
     <xsd:import namespace="cb2fda98-091b-466d-92a5-bc28a7b73a74"/>
@@ -6359,24 +6908,32 @@
 </ct:contentTypeSchema>
 </file>
 
-<file path=customXml/item2.xml><?xml version="1.0" encoding="utf-8"?>
-<?mso-contentType ?>
-<FormTemplates xmlns="http://schemas.microsoft.com/sharepoint/v3/contenttype/forms">
-  <Display>DocumentLibraryForm</Display>
-  <Edit>DocumentLibraryForm</Edit>
-  <New>DocumentLibraryForm</New>
-</FormTemplates>
+<file path=customXml/itemProps1.xml><?xml version="1.0" encoding="utf-8"?>
+<ds:datastoreItem xmlns:ds="http://schemas.openxmlformats.org/officeDocument/2006/customXml" ds:itemID="{38DA7721-D9A8-47A8-81E1-BD2BE85510D0}">
+  <ds:schemaRefs>
+    <ds:schemaRef ds:uri="http://schemas.microsoft.com/office/2006/documentManagement/types"/>
+    <ds:schemaRef ds:uri="cb2fda98-091b-466d-92a5-bc28a7b73a74"/>
+    <ds:schemaRef ds:uri="e0324670-5a30-4a82-9f4a-3ec047b6efa7"/>
+    <ds:schemaRef ds:uri="http://purl.org/dc/terms/"/>
+    <ds:schemaRef ds:uri="http://schemas.microsoft.com/office/infopath/2007/PartnerControls"/>
+    <ds:schemaRef ds:uri="http://schemas.openxmlformats.org/package/2006/metadata/core-properties"/>
+    <ds:schemaRef ds:uri="http://www.w3.org/XML/1998/namespace"/>
+    <ds:schemaRef ds:uri="http://purl.org/dc/dcmitype/"/>
+    <ds:schemaRef ds:uri="http://schemas.microsoft.com/office/2006/metadata/properties"/>
+    <ds:schemaRef ds:uri="http://purl.org/dc/elements/1.1/"/>
+  </ds:schemaRefs>
+</ds:datastoreItem>
 </file>
 
-<file path=customXml/item3.xml><?xml version="1.0" encoding="utf-8"?>
-<p:properties xmlns:p="http://schemas.microsoft.com/office/2006/metadata/properties" xmlns:xsi="http://www.w3.org/2001/XMLSchema-instance" xmlns:pc="http://schemas.microsoft.com/office/infopath/2007/PartnerControls">
-  <documentManagement>
-    <_activity xmlns="e0324670-5a30-4a82-9f4a-3ec047b6efa7" xsi:nil="true"/>
-  </documentManagement>
-</p:properties>
+<file path=customXml/itemProps2.xml><?xml version="1.0" encoding="utf-8"?>
+<ds:datastoreItem xmlns:ds="http://schemas.openxmlformats.org/officeDocument/2006/customXml" ds:itemID="{3F2C7985-AF9E-4EF4-85C0-E0E82FB6DC01}">
+  <ds:schemaRefs>
+    <ds:schemaRef ds:uri="http://schemas.microsoft.com/sharepoint/v3/contenttype/forms"/>
+  </ds:schemaRefs>
+</ds:datastoreItem>
 </file>
 
-<file path=customXml/itemProps1.xml><?xml version="1.0" encoding="utf-8"?>
+<file path=customXml/itemProps3.xml><?xml version="1.0" encoding="utf-8"?>
 <ds:datastoreItem xmlns:ds="http://schemas.openxmlformats.org/officeDocument/2006/customXml" ds:itemID="{D994617B-498C-4971-AA14-80AA91235E8A}">
   <ds:schemaRefs>
     <ds:schemaRef ds:uri="cb2fda98-091b-466d-92a5-bc28a7b73a74"/>
@@ -6393,29 +6950,4 @@
     <ds:schemaRef ds:uri="http://www.w3.org/2001/XMLSchema"/>
   </ds:schemaRefs>
 </ds:datastoreItem>
-</file>
-
-<file path=customXml/itemProps2.xml><?xml version="1.0" encoding="utf-8"?>
-<ds:datastoreItem xmlns:ds="http://schemas.openxmlformats.org/officeDocument/2006/customXml" ds:itemID="{3F2C7985-AF9E-4EF4-85C0-E0E82FB6DC01}">
-  <ds:schemaRefs>
-    <ds:schemaRef ds:uri="http://schemas.microsoft.com/sharepoint/v3/contenttype/forms"/>
-  </ds:schemaRefs>
-</ds:datastoreItem>
-</file>
-
-<file path=customXml/itemProps3.xml><?xml version="1.0" encoding="utf-8"?>
-<ds:datastoreItem xmlns:ds="http://schemas.openxmlformats.org/officeDocument/2006/customXml" ds:itemID="{38DA7721-D9A8-47A8-81E1-BD2BE85510D0}">
-  <ds:schemaRefs>
-    <ds:schemaRef ds:uri="http://schemas.microsoft.com/office/2006/documentManagement/types"/>
-    <ds:schemaRef ds:uri="cb2fda98-091b-466d-92a5-bc28a7b73a74"/>
-    <ds:schemaRef ds:uri="e0324670-5a30-4a82-9f4a-3ec047b6efa7"/>
-    <ds:schemaRef ds:uri="http://purl.org/dc/terms/"/>
-    <ds:schemaRef ds:uri="http://schemas.microsoft.com/office/infopath/2007/PartnerControls"/>
-    <ds:schemaRef ds:uri="http://schemas.openxmlformats.org/package/2006/metadata/core-properties"/>
-    <ds:schemaRef ds:uri="http://www.w3.org/XML/1998/namespace"/>
-    <ds:schemaRef ds:uri="http://purl.org/dc/dcmitype/"/>
-    <ds:schemaRef ds:uri="http://schemas.microsoft.com/office/2006/metadata/properties"/>
-    <ds:schemaRef ds:uri="http://purl.org/dc/elements/1.1/"/>
-  </ds:schemaRefs>
-</ds:datastoreItem>
 </file>